--- a/Webanwendung PHP.pptx
+++ b/Webanwendung PHP.pptx
@@ -116,6 +116,22 @@
       </a:defRPr>
     </a:lvl9pPr>
   </p:defaultTextStyle>
+  <p:extLst>
+    <p:ext uri="{EFAFB233-063F-42B5-8137-9DF3F51BA10A}">
+      <p15:sldGuideLst xmlns:p15="http://schemas.microsoft.com/office/powerpoint/2012/main">
+        <p15:guide id="1" orient="horz" pos="2160">
+          <p15:clr>
+            <a:srgbClr val="A4A3A4"/>
+          </p15:clr>
+        </p15:guide>
+        <p15:guide id="2" pos="2880">
+          <p15:clr>
+            <a:srgbClr val="A4A3A4"/>
+          </p15:clr>
+        </p15:guide>
+      </p15:sldGuideLst>
+    </p:ext>
+  </p:extLst>
 </p:presentation>
 </file>
 
@@ -3233,7 +3249,15 @@
           <a:bodyPr/>
           <a:lstStyle/>
           <a:p>
-            <a:endParaRPr lang="de-DE"/>
+            <a:r>
+              <a:rPr lang="de-DE" dirty="0"/>
+              <a:t>4</a:t>
+            </a:r>
+            <a:r>
+              <a:rPr lang="de-DE" dirty="0" smtClean="0"/>
+              <a:t>. Fazit</a:t>
+            </a:r>
+            <a:endParaRPr lang="de-DE" dirty="0"/>
           </a:p>
         </p:txBody>
       </p:sp>
@@ -3252,7 +3276,50 @@
           <a:bodyPr/>
           <a:lstStyle/>
           <a:p>
-            <a:endParaRPr lang="de-DE"/>
+            <a:r>
+              <a:rPr lang="de-DE" dirty="0" smtClean="0"/>
+              <a:t>Positiv: </a:t>
+            </a:r>
+          </a:p>
+          <a:p>
+            <a:pPr marL="137160" indent="0">
+              <a:buNone/>
+            </a:pPr>
+            <a:r>
+              <a:rPr lang="de-DE" dirty="0" smtClean="0"/>
+              <a:t>	- selbstständig Planung und Aufteilung der 	  Aufgaben vornehmen</a:t>
+            </a:r>
+          </a:p>
+          <a:p>
+            <a:pPr marL="137160" indent="0">
+              <a:buNone/>
+            </a:pPr>
+            <a:endParaRPr lang="de-DE" dirty="0" smtClean="0"/>
+          </a:p>
+          <a:p>
+            <a:pPr marL="137160" indent="0">
+              <a:buNone/>
+            </a:pPr>
+            <a:r>
+              <a:rPr lang="de-DE" dirty="0" smtClean="0"/>
+              <a:t>	- Kommunikation innerhalb der Gruppe um 	  Aufgaben zu Koordinieren</a:t>
+            </a:r>
+          </a:p>
+          <a:p>
+            <a:pPr marL="137160" indent="0">
+              <a:buNone/>
+            </a:pPr>
+            <a:endParaRPr lang="de-DE" dirty="0" smtClean="0"/>
+          </a:p>
+          <a:p>
+            <a:pPr marL="137160" indent="0">
+              <a:buNone/>
+            </a:pPr>
+            <a:r>
+              <a:rPr lang="de-DE" dirty="0" smtClean="0"/>
+              <a:t>	- Kennenlernen der Technologie und neuer 	  Herangehensweisen zur Problemlösung</a:t>
+            </a:r>
+            <a:endParaRPr lang="de-DE" dirty="0"/>
           </a:p>
         </p:txBody>
       </p:sp>
@@ -3303,7 +3370,11 @@
           <a:bodyPr/>
           <a:lstStyle/>
           <a:p>
-            <a:endParaRPr lang="de-DE"/>
+            <a:r>
+              <a:rPr lang="de-DE" dirty="0" smtClean="0"/>
+              <a:t>4. Fazit</a:t>
+            </a:r>
+            <a:endParaRPr lang="de-DE" dirty="0"/>
           </a:p>
         </p:txBody>
       </p:sp>
@@ -3322,7 +3393,39 @@
           <a:bodyPr/>
           <a:lstStyle/>
           <a:p>
-            <a:endParaRPr lang="de-DE"/>
+            <a:r>
+              <a:rPr lang="de-DE" dirty="0" smtClean="0"/>
+              <a:t>Negatives:</a:t>
+            </a:r>
+          </a:p>
+          <a:p>
+            <a:pPr marL="137160" indent="0">
+              <a:buNone/>
+            </a:pPr>
+            <a:r>
+              <a:rPr lang="de-DE" dirty="0" smtClean="0"/>
+              <a:t>	- teilweise schwierig die Aufgaben fair zu 	  verteilen</a:t>
+            </a:r>
+          </a:p>
+          <a:p>
+            <a:pPr marL="137160" indent="0">
+              <a:buNone/>
+            </a:pPr>
+            <a:endParaRPr lang="de-DE" dirty="0"/>
+          </a:p>
+          <a:p>
+            <a:pPr marL="137160" indent="0">
+              <a:buNone/>
+            </a:pPr>
+            <a:r>
+              <a:rPr lang="de-DE" dirty="0" smtClean="0"/>
+              <a:t>	- Terminplanung </a:t>
+            </a:r>
+            <a:r>
+              <a:rPr lang="de-DE" smtClean="0"/>
+              <a:t>nicht optimal </a:t>
+            </a:r>
+            <a:endParaRPr lang="de-DE" dirty="0"/>
           </a:p>
         </p:txBody>
       </p:sp>
@@ -3465,9 +3568,9 @@
             </a:r>
           </a:p>
           <a:p>
-            <a:endParaRPr lang="de-DE" dirty="0" smtClean="0"/>
-          </a:p>
-          <a:p>
+            <a:pPr marL="137160" indent="0">
+              <a:buNone/>
+            </a:pPr>
             <a:endParaRPr lang="de-DE" dirty="0" smtClean="0"/>
           </a:p>
           <a:p>
@@ -3477,15 +3580,28 @@
             </a:r>
           </a:p>
           <a:p>
+            <a:pPr marL="137160" indent="0">
+              <a:buNone/>
+            </a:pPr>
             <a:endParaRPr lang="de-DE" dirty="0" smtClean="0"/>
           </a:p>
           <a:p>
-            <a:endParaRPr lang="de-DE" dirty="0" smtClean="0"/>
-          </a:p>
-          <a:p>
             <a:r>
               <a:rPr lang="de-DE" dirty="0" smtClean="0"/>
-              <a:t>3. Unser Programm</a:t>
+              <a:t>3. Unser </a:t>
+            </a:r>
+            <a:r>
+              <a:rPr lang="de-DE" dirty="0" smtClean="0"/>
+              <a:t>Programm</a:t>
+            </a:r>
+          </a:p>
+          <a:p>
+            <a:endParaRPr lang="de-DE" dirty="0"/>
+          </a:p>
+          <a:p>
+            <a:r>
+              <a:rPr lang="de-DE" dirty="0" smtClean="0"/>
+              <a:t>4. Fazit</a:t>
             </a:r>
             <a:endParaRPr lang="de-DE" dirty="0"/>
           </a:p>
@@ -3569,43 +3685,19 @@
           <a:p>
             <a:r>
               <a:rPr lang="de-DE" dirty="0" smtClean="0"/>
-              <a:t>eine </a:t>
-            </a:r>
+              <a:t>eine Webanwendung für die Beantwortung von Schätzfragen erstellen</a:t>
+            </a:r>
+          </a:p>
+          <a:p>
+            <a:endParaRPr lang="de-DE" dirty="0" smtClean="0"/>
+          </a:p>
+          <a:p>
+            <a:endParaRPr lang="de-DE" dirty="0" smtClean="0"/>
+          </a:p>
+          <a:p>
             <a:r>
               <a:rPr lang="de-DE" dirty="0" smtClean="0"/>
-              <a:t>Webanwendung für die Beantwortung von </a:t>
-            </a:r>
-            <a:r>
-              <a:rPr lang="de-DE" dirty="0" smtClean="0"/>
-              <a:t>Schätzfragen erstellen</a:t>
-            </a:r>
-          </a:p>
-          <a:p>
-            <a:endParaRPr lang="de-DE" dirty="0" smtClean="0"/>
-          </a:p>
-          <a:p>
-            <a:endParaRPr lang="de-DE" dirty="0" smtClean="0"/>
-          </a:p>
-          <a:p>
-            <a:r>
-              <a:rPr lang="de-DE" dirty="0" smtClean="0"/>
-              <a:t>die </a:t>
-            </a:r>
-            <a:r>
-              <a:rPr lang="de-DE" dirty="0" smtClean="0"/>
-              <a:t>Aufgabe </a:t>
-            </a:r>
-            <a:r>
-              <a:rPr lang="de-DE" dirty="0" smtClean="0"/>
-              <a:t>mithilfe </a:t>
-            </a:r>
-            <a:r>
-              <a:rPr lang="de-DE" dirty="0" smtClean="0"/>
-              <a:t>der Technik „Personal Home Page Tools“ oder kurz „PHP“ </a:t>
-            </a:r>
-            <a:r>
-              <a:rPr lang="de-DE" dirty="0" smtClean="0"/>
-              <a:t>lösen</a:t>
+              <a:t>die Aufgabe mithilfe der Technik „Personal Home Page Tools“ oder kurz „PHP“ lösen</a:t>
             </a:r>
             <a:endParaRPr lang="de-DE" dirty="0"/>
           </a:p>
@@ -3826,19 +3918,7 @@
           <a:p>
             <a:r>
               <a:rPr lang="de-DE" dirty="0" smtClean="0"/>
-              <a:t>bietet </a:t>
-            </a:r>
-            <a:r>
-              <a:rPr lang="de-DE" dirty="0" smtClean="0"/>
-              <a:t>eine breite </a:t>
-            </a:r>
-            <a:r>
-              <a:rPr lang="de-DE" dirty="0" smtClean="0"/>
-              <a:t>Datenbankunterstützung, Internet-Protokolleinbindungen </a:t>
-            </a:r>
-            <a:r>
-              <a:rPr lang="de-DE" dirty="0" smtClean="0"/>
-              <a:t>und zahlreiche Funktionsbibliotheken</a:t>
+              <a:t>bietet eine breite Datenbankunterstützung, Internet-Protokolleinbindungen und zahlreiche Funktionsbibliotheken</a:t>
             </a:r>
             <a:endParaRPr lang="de-DE" dirty="0"/>
           </a:p>
@@ -3935,19 +4015,7 @@
           <a:p>
             <a:r>
               <a:rPr lang="de-DE" dirty="0" smtClean="0"/>
-              <a:t>aktuellste </a:t>
-            </a:r>
-            <a:r>
-              <a:rPr lang="de-DE" dirty="0" smtClean="0"/>
-              <a:t>Version: PHP 7.2 (30</a:t>
-            </a:r>
-            <a:r>
-              <a:rPr lang="de-DE" dirty="0" smtClean="0"/>
-              <a:t>. November </a:t>
-            </a:r>
-            <a:r>
-              <a:rPr lang="de-DE" dirty="0" smtClean="0"/>
-              <a:t>2017)</a:t>
+              <a:t>aktuellste Version: PHP 7.2 (30. November 2017)</a:t>
             </a:r>
           </a:p>
           <a:p>
@@ -3965,7 +4033,7 @@
           <a:blip r:embed="rId2">
             <a:extLst>
               <a:ext uri="{28A0092B-C50C-407E-A947-70E740481C1C}">
-                <a14:useLocalDpi xmlns="" xmlns:wpc="http://schemas.microsoft.com/office/word/2010/wordprocessingCanvas" xmlns:cx="http://schemas.microsoft.com/office/drawing/2014/chartex" xmlns:cx1="http://schemas.microsoft.com/office/drawing/2015/9/8/chartex" xmlns:cx2="http://schemas.microsoft.com/office/drawing/2015/10/21/chartex" xmlns:cx3="http://schemas.microsoft.com/office/drawing/2016/5/9/chartex" xmlns:cx4="http://schemas.microsoft.com/office/drawing/2016/5/10/chartex" xmlns:cx5="http://schemas.microsoft.com/office/drawing/2016/5/11/chartex" xmlns:cx6="http://schemas.microsoft.com/office/drawing/2016/5/12/chartex" xmlns:cx7="http://schemas.microsoft.com/office/drawing/2016/5/13/chartex" xmlns:cx8="http://schemas.microsoft.com/office/drawing/2016/5/14/chartex" xmlns:mc="http://schemas.openxmlformats.org/markup-compatibility/2006" xmlns:aink="http://schemas.microsoft.com/office/drawing/2016/ink" xmlns:am3d="http://schemas.microsoft.com/office/drawing/2017/model3d" xmlns:o="urn:schemas-microsoft-com:office:office" xmlns:m="http://schemas.openxmlformats.org/officeDocument/2006/math" xmlns:v="urn:schemas-microsoft-com:vml" xmlns:wp14="http://schemas.microsoft.com/office/word/2010/wordprocessingDrawing" xmlns:wp="http://schemas.openxmlformats.org/drawingml/2006/wordprocessingDrawing" xmlns:w10="urn:schemas-microsoft-com:office:word" xmlns:w="http://schemas.openxmlformats.org/wordprocessingml/2006/main" xmlns:w14="http://schemas.microsoft.com/office/word/2010/wordml" xmlns:w15="http://schemas.microsoft.com/office/word/2012/wordml" xmlns:w16cid="http://schemas.microsoft.com/office/word/2016/wordml/cid" xmlns:w16se="http://schemas.microsoft.com/office/word/2015/wordml/symex" xmlns:wpg="http://schemas.microsoft.com/office/word/2010/wordprocessingGroup" xmlns:wpi="http://schemas.microsoft.com/office/word/2010/wordprocessingInk" xmlns:wne="http://schemas.microsoft.com/office/word/2006/wordml" xmlns:wps="http://schemas.microsoft.com/office/word/2010/wordprocessingShape" xmlns:a14="http://schemas.microsoft.com/office/drawing/2010/main" xmlns:pic="http://schemas.openxmlformats.org/drawingml/2006/picture" xmlns:lc="http://schemas.openxmlformats.org/drawingml/2006/lockedCanvas" val="0"/>
+                <a14:useLocalDpi xmlns:a14="http://schemas.microsoft.com/office/drawing/2010/main" val="0"/>
               </a:ext>
             </a:extLst>
           </a:blip>
@@ -4063,15 +4131,7 @@
           <a:p>
             <a:r>
               <a:rPr lang="de-DE" dirty="0" smtClean="0"/>
-              <a:t>PHP </a:t>
-            </a:r>
-            <a:r>
-              <a:rPr lang="de-DE" dirty="0" smtClean="0"/>
-              <a:t>7.2 zeichnet sich durch eine bis zu 30% schnellere Ausführungszeit gegenüber PHP 5 </a:t>
-            </a:r>
-            <a:r>
-              <a:rPr lang="de-DE" dirty="0" smtClean="0"/>
-              <a:t>aus</a:t>
+              <a:t>PHP 7.2 zeichnet sich durch eine bis zu 30% schnellere Ausführungszeit gegenüber PHP 5 aus</a:t>
             </a:r>
           </a:p>
           <a:p>
@@ -4173,79 +4233,26 @@
             </a:r>
             <a:r>
               <a:rPr lang="de-DE" dirty="0" smtClean="0"/>
-              <a:t> </a:t>
-            </a:r>
+              <a:t> verarbeitet</a:t>
+            </a:r>
+          </a:p>
+          <a:p>
             <a:r>
               <a:rPr lang="de-DE" dirty="0" smtClean="0"/>
-              <a:t>verarbeitet</a:t>
+              <a:t>Quelltext wird nicht an den Browser übermittelt, sondern an den Webserver und dort von einem Interpreter verarbeitet</a:t>
             </a:r>
           </a:p>
           <a:p>
             <a:r>
               <a:rPr lang="de-DE" dirty="0" smtClean="0"/>
-              <a:t>Quelltext </a:t>
-            </a:r>
+              <a:t>die Ausgabe (sofern vorhanden) wird an den Webbrowser übermittelt und dargestellt</a:t>
+            </a:r>
+          </a:p>
+          <a:p>
             <a:r>
               <a:rPr lang="de-DE" dirty="0" smtClean="0"/>
-              <a:t>wird </a:t>
-            </a:r>
-            <a:r>
-              <a:rPr lang="de-DE" dirty="0" smtClean="0"/>
-              <a:t>nicht </a:t>
-            </a:r>
-            <a:r>
-              <a:rPr lang="de-DE" dirty="0" smtClean="0"/>
-              <a:t>an den Browser übermittelt, sondern an </a:t>
-            </a:r>
-            <a:r>
-              <a:rPr lang="de-DE" dirty="0" smtClean="0"/>
-              <a:t>den Webserver</a:t>
-            </a:r>
-            <a:r>
-              <a:rPr lang="de-DE" dirty="0" smtClean="0"/>
-              <a:t> </a:t>
-            </a:r>
-            <a:r>
-              <a:rPr lang="de-DE" dirty="0" smtClean="0"/>
-              <a:t>und dort von </a:t>
-            </a:r>
-            <a:r>
-              <a:rPr lang="de-DE" dirty="0" smtClean="0"/>
-              <a:t>einem Interpreter </a:t>
-            </a:r>
-            <a:r>
-              <a:rPr lang="de-DE" dirty="0" smtClean="0"/>
-              <a:t>verarbeitet</a:t>
-            </a:r>
-          </a:p>
-          <a:p>
-            <a:r>
-              <a:rPr lang="de-DE" dirty="0" smtClean="0"/>
-              <a:t>die </a:t>
-            </a:r>
-            <a:r>
-              <a:rPr lang="de-DE" dirty="0" smtClean="0"/>
-              <a:t>Ausgabe (sofern vorhanden) wird an den Webbrowser </a:t>
-            </a:r>
-            <a:r>
-              <a:rPr lang="de-DE" dirty="0" smtClean="0"/>
-              <a:t>übermittelt und dargestellt</a:t>
-            </a:r>
-          </a:p>
-          <a:p>
-            <a:r>
-              <a:rPr lang="de-DE" dirty="0" smtClean="0"/>
-              <a:t>PHP-Skript </a:t>
-            </a:r>
-            <a:r>
-              <a:rPr lang="de-DE" dirty="0" smtClean="0"/>
-              <a:t>lässt sich direkt in HTML </a:t>
-            </a:r>
-            <a:r>
-              <a:rPr lang="de-DE" dirty="0" smtClean="0"/>
-              <a:t>integrieren</a:t>
-            </a:r>
-            <a:endParaRPr lang="de-DE" dirty="0" smtClean="0"/>
+              <a:t>PHP-Skript lässt sich direkt in HTML integrieren</a:t>
+            </a:r>
           </a:p>
           <a:p>
             <a:endParaRPr lang="de-DE" dirty="0"/>

--- a/Webanwendung PHP.pptx
+++ b/Webanwendung PHP.pptx
@@ -15,9 +15,10 @@
     <p:sldId id="263" r:id="rId9"/>
     <p:sldId id="264" r:id="rId10"/>
     <p:sldId id="265" r:id="rId11"/>
-    <p:sldId id="266" r:id="rId12"/>
-    <p:sldId id="267" r:id="rId13"/>
-    <p:sldId id="268" r:id="rId14"/>
+    <p:sldId id="269" r:id="rId12"/>
+    <p:sldId id="266" r:id="rId13"/>
+    <p:sldId id="267" r:id="rId14"/>
+    <p:sldId id="268" r:id="rId15"/>
   </p:sldIdLst>
   <p:sldSz cx="9144000" cy="6858000" type="screen4x3"/>
   <p:notesSz cx="6858000" cy="9144000"/>
@@ -118,7 +119,7 @@
   </p:defaultTextStyle>
   <p:extLst>
     <p:ext uri="{EFAFB233-063F-42B5-8137-9DF3F51BA10A}">
-      <p15:sldGuideLst xmlns:p15="http://schemas.microsoft.com/office/powerpoint/2012/main">
+      <p15:sldGuideLst xmlns:p15="http://schemas.microsoft.com/office/powerpoint/2012/main" xmlns="">
         <p15:guide id="1" orient="horz" pos="2160">
           <p15:clr>
             <a:srgbClr val="A4A3A4"/>
@@ -246,6 +247,7 @@
           <a:p>
             <a:fld id="{A4EAD38E-AA3A-4697-8D78-F01AE43FB75B}" type="datetimeFigureOut">
               <a:rPr lang="de-DE" smtClean="0"/>
+              <a:pPr/>
               <a:t>06.06.2018</a:t>
             </a:fld>
             <a:endParaRPr lang="de-DE"/>
@@ -288,6 +290,7 @@
           <a:p>
             <a:fld id="{A2D0AB0F-28AE-48BA-9F51-D421D2DC1BD0}" type="slidenum">
               <a:rPr lang="de-DE" smtClean="0"/>
+              <a:pPr/>
               <a:t>‹Nr.›</a:t>
             </a:fld>
             <a:endParaRPr lang="de-DE"/>
@@ -472,6 +475,7 @@
           <a:p>
             <a:fld id="{A4EAD38E-AA3A-4697-8D78-F01AE43FB75B}" type="datetimeFigureOut">
               <a:rPr lang="de-DE" smtClean="0"/>
+              <a:pPr/>
               <a:t>06.06.2018</a:t>
             </a:fld>
             <a:endParaRPr lang="de-DE"/>
@@ -514,6 +518,7 @@
           <a:p>
             <a:fld id="{A2D0AB0F-28AE-48BA-9F51-D421D2DC1BD0}" type="slidenum">
               <a:rPr lang="de-DE" smtClean="0"/>
+              <a:pPr/>
               <a:t>‹Nr.›</a:t>
             </a:fld>
             <a:endParaRPr lang="de-DE"/>
@@ -647,6 +652,7 @@
           <a:p>
             <a:fld id="{A4EAD38E-AA3A-4697-8D78-F01AE43FB75B}" type="datetimeFigureOut">
               <a:rPr lang="de-DE" smtClean="0"/>
+              <a:pPr/>
               <a:t>06.06.2018</a:t>
             </a:fld>
             <a:endParaRPr lang="de-DE"/>
@@ -689,6 +695,7 @@
           <a:p>
             <a:fld id="{A2D0AB0F-28AE-48BA-9F51-D421D2DC1BD0}" type="slidenum">
               <a:rPr lang="de-DE" smtClean="0"/>
+              <a:pPr/>
               <a:t>‹Nr.›</a:t>
             </a:fld>
             <a:endParaRPr lang="de-DE"/>
@@ -812,6 +819,7 @@
           <a:p>
             <a:fld id="{A4EAD38E-AA3A-4697-8D78-F01AE43FB75B}" type="datetimeFigureOut">
               <a:rPr lang="de-DE" smtClean="0"/>
+              <a:pPr/>
               <a:t>06.06.2018</a:t>
             </a:fld>
             <a:endParaRPr lang="de-DE"/>
@@ -854,6 +862,7 @@
           <a:p>
             <a:fld id="{A2D0AB0F-28AE-48BA-9F51-D421D2DC1BD0}" type="slidenum">
               <a:rPr lang="de-DE" smtClean="0"/>
+              <a:pPr/>
               <a:t>‹Nr.›</a:t>
             </a:fld>
             <a:endParaRPr lang="de-DE"/>
@@ -1056,6 +1065,7 @@
           <a:p>
             <a:fld id="{A4EAD38E-AA3A-4697-8D78-F01AE43FB75B}" type="datetimeFigureOut">
               <a:rPr lang="de-DE" smtClean="0"/>
+              <a:pPr/>
               <a:t>06.06.2018</a:t>
             </a:fld>
             <a:endParaRPr lang="de-DE"/>
@@ -1103,6 +1113,7 @@
           <a:p>
             <a:fld id="{A2D0AB0F-28AE-48BA-9F51-D421D2DC1BD0}" type="slidenum">
               <a:rPr lang="de-DE" smtClean="0"/>
+              <a:pPr/>
               <a:t>‹Nr.›</a:t>
             </a:fld>
             <a:endParaRPr lang="de-DE"/>
@@ -1320,6 +1331,7 @@
           <a:p>
             <a:fld id="{A4EAD38E-AA3A-4697-8D78-F01AE43FB75B}" type="datetimeFigureOut">
               <a:rPr lang="de-DE" smtClean="0"/>
+              <a:pPr/>
               <a:t>06.06.2018</a:t>
             </a:fld>
             <a:endParaRPr lang="de-DE"/>
@@ -1362,6 +1374,7 @@
           <a:p>
             <a:fld id="{A2D0AB0F-28AE-48BA-9F51-D421D2DC1BD0}" type="slidenum">
               <a:rPr lang="de-DE" smtClean="0"/>
+              <a:pPr/>
               <a:t>‹Nr.›</a:t>
             </a:fld>
             <a:endParaRPr lang="de-DE"/>
@@ -1694,6 +1707,7 @@
           <a:p>
             <a:fld id="{A4EAD38E-AA3A-4697-8D78-F01AE43FB75B}" type="datetimeFigureOut">
               <a:rPr lang="de-DE" smtClean="0"/>
+              <a:pPr/>
               <a:t>06.06.2018</a:t>
             </a:fld>
             <a:endParaRPr lang="de-DE"/>
@@ -1736,6 +1750,7 @@
           <a:p>
             <a:fld id="{A2D0AB0F-28AE-48BA-9F51-D421D2DC1BD0}" type="slidenum">
               <a:rPr lang="de-DE" smtClean="0"/>
+              <a:pPr/>
               <a:t>‹Nr.›</a:t>
             </a:fld>
             <a:endParaRPr lang="de-DE"/>
@@ -1807,6 +1822,7 @@
           <a:p>
             <a:fld id="{A4EAD38E-AA3A-4697-8D78-F01AE43FB75B}" type="datetimeFigureOut">
               <a:rPr lang="de-DE" smtClean="0"/>
+              <a:pPr/>
               <a:t>06.06.2018</a:t>
             </a:fld>
             <a:endParaRPr lang="de-DE"/>
@@ -1849,6 +1865,7 @@
           <a:p>
             <a:fld id="{A2D0AB0F-28AE-48BA-9F51-D421D2DC1BD0}" type="slidenum">
               <a:rPr lang="de-DE" smtClean="0"/>
+              <a:pPr/>
               <a:t>‹Nr.›</a:t>
             </a:fld>
             <a:endParaRPr lang="de-DE"/>
@@ -1897,6 +1914,7 @@
           <a:p>
             <a:fld id="{A4EAD38E-AA3A-4697-8D78-F01AE43FB75B}" type="datetimeFigureOut">
               <a:rPr lang="de-DE" smtClean="0"/>
+              <a:pPr/>
               <a:t>06.06.2018</a:t>
             </a:fld>
             <a:endParaRPr lang="de-DE"/>
@@ -1939,6 +1957,7 @@
           <a:p>
             <a:fld id="{A2D0AB0F-28AE-48BA-9F51-D421D2DC1BD0}" type="slidenum">
               <a:rPr lang="de-DE" smtClean="0"/>
+              <a:pPr/>
               <a:t>‹Nr.›</a:t>
             </a:fld>
             <a:endParaRPr lang="de-DE"/>
@@ -2155,6 +2174,7 @@
           <a:p>
             <a:fld id="{A4EAD38E-AA3A-4697-8D78-F01AE43FB75B}" type="datetimeFigureOut">
               <a:rPr lang="de-DE" smtClean="0"/>
+              <a:pPr/>
               <a:t>06.06.2018</a:t>
             </a:fld>
             <a:endParaRPr lang="de-DE"/>
@@ -2197,6 +2217,7 @@
           <a:p>
             <a:fld id="{A2D0AB0F-28AE-48BA-9F51-D421D2DC1BD0}" type="slidenum">
               <a:rPr lang="de-DE" smtClean="0"/>
+              <a:pPr/>
               <a:t>‹Nr.›</a:t>
             </a:fld>
             <a:endParaRPr lang="de-DE"/>
@@ -2419,6 +2440,7 @@
           <a:p>
             <a:fld id="{A4EAD38E-AA3A-4697-8D78-F01AE43FB75B}" type="datetimeFigureOut">
               <a:rPr lang="de-DE" smtClean="0"/>
+              <a:pPr/>
               <a:t>06.06.2018</a:t>
             </a:fld>
             <a:endParaRPr lang="de-DE"/>
@@ -2461,6 +2483,7 @@
           <a:p>
             <a:fld id="{A2D0AB0F-28AE-48BA-9F51-D421D2DC1BD0}" type="slidenum">
               <a:rPr lang="de-DE" smtClean="0"/>
+              <a:pPr/>
               <a:t>‹Nr.›</a:t>
             </a:fld>
             <a:endParaRPr lang="de-DE"/>
@@ -2636,6 +2659,7 @@
           <a:p>
             <a:fld id="{A4EAD38E-AA3A-4697-8D78-F01AE43FB75B}" type="datetimeFigureOut">
               <a:rPr lang="de-DE" smtClean="0"/>
+              <a:pPr/>
               <a:t>06.06.2018</a:t>
             </a:fld>
             <a:endParaRPr lang="de-DE"/>
@@ -2714,6 +2738,7 @@
           <a:p>
             <a:fld id="{A2D0AB0F-28AE-48BA-9F51-D421D2DC1BD0}" type="slidenum">
               <a:rPr lang="de-DE" smtClean="0"/>
+              <a:pPr/>
               <a:t>‹Nr.›</a:t>
             </a:fld>
             <a:endParaRPr lang="de-DE"/>
@@ -3250,79 +3275,48 @@
           <a:lstStyle/>
           <a:p>
             <a:r>
-              <a:rPr lang="de-DE" dirty="0"/>
-              <a:t>4</a:t>
-            </a:r>
-            <a:r>
               <a:rPr lang="de-DE" dirty="0" smtClean="0"/>
-              <a:t>. Fazit</a:t>
+              <a:t>3. Unser Programm</a:t>
             </a:r>
             <a:endParaRPr lang="de-DE" dirty="0"/>
           </a:p>
         </p:txBody>
       </p:sp>
-      <p:sp>
-        <p:nvSpPr>
-          <p:cNvPr id="3" name="Inhaltsplatzhalter 2"/>
-          <p:cNvSpPr>
-            <a:spLocks noGrp="1"/>
-          </p:cNvSpPr>
+      <p:pic>
+        <p:nvPicPr>
+          <p:cNvPr id="1026" name="Picture 2"/>
+          <p:cNvPicPr>
+            <a:picLocks noGrp="1" noChangeAspect="1" noChangeArrowheads="1"/>
+          </p:cNvPicPr>
           <p:nvPr>
             <p:ph idx="1"/>
           </p:nvPr>
-        </p:nvSpPr>
-        <p:spPr/>
-        <p:txBody>
-          <a:bodyPr/>
-          <a:lstStyle/>
-          <a:p>
-            <a:r>
-              <a:rPr lang="de-DE" dirty="0" smtClean="0"/>
-              <a:t>Positiv: </a:t>
-            </a:r>
-          </a:p>
-          <a:p>
-            <a:pPr marL="137160" indent="0">
-              <a:buNone/>
-            </a:pPr>
-            <a:r>
-              <a:rPr lang="de-DE" dirty="0" smtClean="0"/>
-              <a:t>	- selbstständig Planung und Aufteilung der 	  Aufgaben vornehmen</a:t>
-            </a:r>
-          </a:p>
-          <a:p>
-            <a:pPr marL="137160" indent="0">
-              <a:buNone/>
-            </a:pPr>
-            <a:endParaRPr lang="de-DE" dirty="0" smtClean="0"/>
-          </a:p>
-          <a:p>
-            <a:pPr marL="137160" indent="0">
-              <a:buNone/>
-            </a:pPr>
-            <a:r>
-              <a:rPr lang="de-DE" dirty="0" smtClean="0"/>
-              <a:t>	- Kommunikation innerhalb der Gruppe um 	  Aufgaben zu Koordinieren</a:t>
-            </a:r>
-          </a:p>
-          <a:p>
-            <a:pPr marL="137160" indent="0">
-              <a:buNone/>
-            </a:pPr>
-            <a:endParaRPr lang="de-DE" dirty="0" smtClean="0"/>
-          </a:p>
-          <a:p>
-            <a:pPr marL="137160" indent="0">
-              <a:buNone/>
-            </a:pPr>
-            <a:r>
-              <a:rPr lang="de-DE" dirty="0" smtClean="0"/>
-              <a:t>	- Kennenlernen der Technologie und neuer 	  Herangehensweisen zur Problemlösung</a:t>
-            </a:r>
-            <a:endParaRPr lang="de-DE" dirty="0"/>
-          </a:p>
-        </p:txBody>
-      </p:sp>
+        </p:nvPicPr>
+        <p:blipFill>
+          <a:blip r:embed="rId2"/>
+          <a:srcRect/>
+          <a:stretch>
+            <a:fillRect/>
+          </a:stretch>
+        </p:blipFill>
+        <p:spPr bwMode="auto">
+          <a:xfrm>
+            <a:off x="785786" y="1296925"/>
+            <a:ext cx="7572428" cy="5203909"/>
+          </a:xfrm>
+          <a:prstGeom prst="rect">
+            <a:avLst/>
+          </a:prstGeom>
+          <a:noFill/>
+          <a:ln w="9525">
+            <a:noFill/>
+            <a:miter lim="800000"/>
+            <a:headEnd/>
+            <a:tailEnd/>
+          </a:ln>
+          <a:effectLst/>
+        </p:spPr>
+      </p:pic>
     </p:spTree>
   </p:cSld>
   <p:clrMapOvr>
@@ -3371,8 +3365,12 @@
           <a:lstStyle/>
           <a:p>
             <a:r>
+              <a:rPr lang="de-DE" dirty="0"/>
+              <a:t>4</a:t>
+            </a:r>
+            <a:r>
               <a:rPr lang="de-DE" dirty="0" smtClean="0"/>
-              <a:t>4. Fazit</a:t>
+              <a:t>. Fazit</a:t>
             </a:r>
             <a:endParaRPr lang="de-DE" dirty="0"/>
           </a:p>
@@ -3395,7 +3393,7 @@
           <a:p>
             <a:r>
               <a:rPr lang="de-DE" dirty="0" smtClean="0"/>
-              <a:t>Negatives:</a:t>
+              <a:t>Positiv: </a:t>
             </a:r>
           </a:p>
           <a:p>
@@ -3404,14 +3402,14 @@
             </a:pPr>
             <a:r>
               <a:rPr lang="de-DE" dirty="0" smtClean="0"/>
-              <a:t>	- teilweise schwierig die Aufgaben fair zu 	  verteilen</a:t>
+              <a:t>	- selbstständig Planung und Aufteilung der 	  Aufgaben vornehmen</a:t>
             </a:r>
           </a:p>
           <a:p>
             <a:pPr marL="137160" indent="0">
               <a:buNone/>
             </a:pPr>
-            <a:endParaRPr lang="de-DE" dirty="0"/>
+            <a:endParaRPr lang="de-DE" dirty="0" smtClean="0"/>
           </a:p>
           <a:p>
             <a:pPr marL="137160" indent="0">
@@ -3419,11 +3417,22 @@
             </a:pPr>
             <a:r>
               <a:rPr lang="de-DE" dirty="0" smtClean="0"/>
-              <a:t>	- Terminplanung </a:t>
-            </a:r>
-            <a:r>
-              <a:rPr lang="de-DE" smtClean="0"/>
-              <a:t>nicht optimal </a:t>
+              <a:t>	- Kommunikation innerhalb der Gruppe um 	  Aufgaben zu Koordinieren</a:t>
+            </a:r>
+          </a:p>
+          <a:p>
+            <a:pPr marL="137160" indent="0">
+              <a:buNone/>
+            </a:pPr>
+            <a:endParaRPr lang="de-DE" dirty="0" smtClean="0"/>
+          </a:p>
+          <a:p>
+            <a:pPr marL="137160" indent="0">
+              <a:buNone/>
+            </a:pPr>
+            <a:r>
+              <a:rPr lang="de-DE" dirty="0" smtClean="0"/>
+              <a:t>	- Kennenlernen der Technologie und neuer 	  Herangehensweisen zur Problemlösung</a:t>
             </a:r>
             <a:endParaRPr lang="de-DE" dirty="0"/>
           </a:p>
@@ -3476,7 +3485,11 @@
           <a:bodyPr/>
           <a:lstStyle/>
           <a:p>
-            <a:endParaRPr lang="de-DE"/>
+            <a:r>
+              <a:rPr lang="de-DE" dirty="0" smtClean="0"/>
+              <a:t>4. Fazit</a:t>
+            </a:r>
+            <a:endParaRPr lang="de-DE" dirty="0"/>
           </a:p>
         </p:txBody>
       </p:sp>
@@ -3495,7 +3508,39 @@
           <a:bodyPr/>
           <a:lstStyle/>
           <a:p>
-            <a:endParaRPr lang="de-DE"/>
+            <a:r>
+              <a:rPr lang="de-DE" dirty="0" smtClean="0"/>
+              <a:t>Negatives:</a:t>
+            </a:r>
+          </a:p>
+          <a:p>
+            <a:pPr marL="137160" indent="0">
+              <a:buNone/>
+            </a:pPr>
+            <a:r>
+              <a:rPr lang="de-DE" dirty="0" smtClean="0"/>
+              <a:t>	- teilweise schwierig die Aufgaben fair zu 	  verteilen</a:t>
+            </a:r>
+          </a:p>
+          <a:p>
+            <a:pPr marL="137160" indent="0">
+              <a:buNone/>
+            </a:pPr>
+            <a:endParaRPr lang="de-DE" dirty="0"/>
+          </a:p>
+          <a:p>
+            <a:pPr marL="137160" indent="0">
+              <a:buNone/>
+            </a:pPr>
+            <a:r>
+              <a:rPr lang="de-DE" dirty="0" smtClean="0"/>
+              <a:t>	- Terminplanung </a:t>
+            </a:r>
+            <a:r>
+              <a:rPr lang="de-DE" smtClean="0"/>
+              <a:t>nicht optimal </a:t>
+            </a:r>
+            <a:endParaRPr lang="de-DE" dirty="0"/>
           </a:p>
         </p:txBody>
       </p:sp>
@@ -3504,6 +3549,380 @@
   <p:clrMapOvr>
     <a:masterClrMapping/>
   </p:clrMapOvr>
+  <p:timing>
+    <p:tnLst>
+      <p:par>
+        <p:cTn id="1" dur="indefinite" restart="never" nodeType="tmRoot"/>
+      </p:par>
+    </p:tnLst>
+  </p:timing>
+</p:sld>
+</file>
+
+<file path=ppt/slides/slide14.xml><?xml version="1.0" encoding="utf-8"?>
+<p:sld xmlns:a="http://schemas.openxmlformats.org/drawingml/2006/main" xmlns:r="http://schemas.openxmlformats.org/officeDocument/2006/relationships" xmlns:p="http://schemas.openxmlformats.org/presentationml/2006/main">
+  <p:cSld>
+    <p:spTree>
+      <p:nvGrpSpPr>
+        <p:cNvPr id="1" name=""/>
+        <p:cNvGrpSpPr/>
+        <p:nvPr/>
+      </p:nvGrpSpPr>
+      <p:grpSpPr>
+        <a:xfrm>
+          <a:off x="0" y="0"/>
+          <a:ext cx="0" cy="0"/>
+          <a:chOff x="0" y="0"/>
+          <a:chExt cx="0" cy="0"/>
+        </a:xfrm>
+      </p:grpSpPr>
+      <p:sp>
+        <p:nvSpPr>
+          <p:cNvPr id="2" name="Titel 1"/>
+          <p:cNvSpPr>
+            <a:spLocks noGrp="1"/>
+          </p:cNvSpPr>
+          <p:nvPr>
+            <p:ph type="title"/>
+          </p:nvPr>
+        </p:nvSpPr>
+        <p:spPr/>
+        <p:txBody>
+          <a:bodyPr/>
+          <a:lstStyle/>
+          <a:p>
+            <a:r>
+              <a:rPr lang="de-DE" dirty="0" smtClean="0"/>
+              <a:t>Aufteilung</a:t>
+            </a:r>
+            <a:endParaRPr lang="de-DE" dirty="0"/>
+          </a:p>
+        </p:txBody>
+      </p:sp>
+      <p:sp>
+        <p:nvSpPr>
+          <p:cNvPr id="3" name="Inhaltsplatzhalter 2"/>
+          <p:cNvSpPr>
+            <a:spLocks noGrp="1"/>
+          </p:cNvSpPr>
+          <p:nvPr>
+            <p:ph idx="1"/>
+          </p:nvPr>
+        </p:nvSpPr>
+        <p:spPr>
+          <a:xfrm>
+            <a:off x="457200" y="1600200"/>
+            <a:ext cx="8229600" cy="1900238"/>
+          </a:xfrm>
+        </p:spPr>
+        <p:txBody>
+          <a:bodyPr/>
+          <a:lstStyle/>
+          <a:p>
+            <a:r>
+              <a:rPr lang="de-DE" dirty="0" smtClean="0"/>
+              <a:t>Programmierung:</a:t>
+            </a:r>
+          </a:p>
+          <a:p>
+            <a:pPr lvl="1"/>
+            <a:r>
+              <a:rPr lang="de-DE" dirty="0" smtClean="0"/>
+              <a:t> Christian 85%</a:t>
+            </a:r>
+          </a:p>
+          <a:p>
+            <a:pPr lvl="1"/>
+            <a:r>
+              <a:rPr lang="de-DE" dirty="0" smtClean="0"/>
+              <a:t>René 10%</a:t>
+            </a:r>
+          </a:p>
+          <a:p>
+            <a:pPr lvl="1"/>
+            <a:r>
+              <a:rPr lang="de-DE" dirty="0" smtClean="0"/>
+              <a:t>Martin 5%</a:t>
+            </a:r>
+          </a:p>
+          <a:p>
+            <a:pPr lvl="1">
+              <a:buNone/>
+            </a:pPr>
+            <a:endParaRPr lang="de-DE" dirty="0" smtClean="0"/>
+          </a:p>
+          <a:p>
+            <a:pPr lvl="1">
+              <a:buNone/>
+            </a:pPr>
+            <a:endParaRPr lang="de-DE" dirty="0" smtClean="0"/>
+          </a:p>
+        </p:txBody>
+      </p:sp>
+      <p:sp>
+        <p:nvSpPr>
+          <p:cNvPr id="4" name="Inhaltsplatzhalter 2"/>
+          <p:cNvSpPr txBox="1">
+            <a:spLocks/>
+          </p:cNvSpPr>
+          <p:nvPr/>
+        </p:nvSpPr>
+        <p:spPr>
+          <a:xfrm>
+            <a:off x="485804" y="3529026"/>
+            <a:ext cx="8229600" cy="1900238"/>
+          </a:xfrm>
+          <a:prstGeom prst="rect">
+            <a:avLst/>
+          </a:prstGeom>
+        </p:spPr>
+        <p:txBody>
+          <a:bodyPr vert="horz">
+            <a:normAutofit/>
+          </a:bodyPr>
+          <a:lstStyle/>
+          <a:p>
+            <a:pPr marL="548640" marR="0" lvl="0" indent="-411480" algn="l" defTabSz="914400" rtl="0" eaLnBrk="1" fontAlgn="auto" latinLnBrk="0" hangingPunct="1">
+              <a:lnSpc>
+                <a:spcPct val="100000"/>
+              </a:lnSpc>
+              <a:spcBef>
+                <a:spcPct val="20000"/>
+              </a:spcBef>
+              <a:spcAft>
+                <a:spcPts val="0"/>
+              </a:spcAft>
+              <a:buClr>
+                <a:schemeClr val="tx1">
+                  <a:shade val="95000"/>
+                </a:schemeClr>
+              </a:buClr>
+              <a:buSzPct val="65000"/>
+              <a:buFont typeface="Wingdings 2"/>
+              <a:buChar char=""/>
+              <a:tabLst/>
+              <a:defRPr/>
+            </a:pPr>
+            <a:r>
+              <a:rPr lang="de-DE" sz="2800" dirty="0" smtClean="0"/>
+              <a:t>Beleg/Präsentation</a:t>
+            </a:r>
+            <a:r>
+              <a:rPr kumimoji="0" lang="de-DE" sz="2800" b="0" i="0" u="none" strike="noStrike" kern="1200" cap="none" spc="0" normalizeH="0" baseline="0" noProof="0" dirty="0" smtClean="0">
+                <a:ln>
+                  <a:noFill/>
+                </a:ln>
+                <a:solidFill>
+                  <a:schemeClr val="tx1"/>
+                </a:solidFill>
+                <a:effectLst/>
+                <a:uLnTx/>
+                <a:uFillTx/>
+                <a:latin typeface="+mn-lt"/>
+                <a:ea typeface="+mn-ea"/>
+                <a:cs typeface="+mn-cs"/>
+              </a:rPr>
+              <a:t>:</a:t>
+            </a:r>
+          </a:p>
+          <a:p>
+            <a:pPr marL="868680" marR="0" lvl="1" indent="-283464" algn="l" defTabSz="914400" rtl="0" eaLnBrk="1" fontAlgn="auto" latinLnBrk="0" hangingPunct="1">
+              <a:lnSpc>
+                <a:spcPct val="100000"/>
+              </a:lnSpc>
+              <a:spcBef>
+                <a:spcPct val="20000"/>
+              </a:spcBef>
+              <a:spcAft>
+                <a:spcPts val="0"/>
+              </a:spcAft>
+              <a:buClr>
+                <a:schemeClr val="tx1"/>
+              </a:buClr>
+              <a:buSzPct val="80000"/>
+              <a:buFont typeface="Wingdings 2"/>
+              <a:buChar char=""/>
+              <a:tabLst/>
+              <a:defRPr/>
+            </a:pPr>
+            <a:r>
+              <a:rPr kumimoji="0" lang="de-DE" sz="2400" b="0" i="0" u="none" strike="noStrike" kern="1200" cap="none" spc="0" normalizeH="0" baseline="0" noProof="0" dirty="0" smtClean="0">
+                <a:ln>
+                  <a:noFill/>
+                </a:ln>
+                <a:solidFill>
+                  <a:schemeClr val="tx1"/>
+                </a:solidFill>
+                <a:effectLst/>
+                <a:uLnTx/>
+                <a:uFillTx/>
+                <a:latin typeface="+mn-lt"/>
+                <a:ea typeface="+mn-ea"/>
+                <a:cs typeface="+mn-cs"/>
+              </a:rPr>
+              <a:t> Christian 5%</a:t>
+            </a:r>
+          </a:p>
+          <a:p>
+            <a:pPr marL="868680" marR="0" lvl="1" indent="-283464" algn="l" defTabSz="914400" rtl="0" eaLnBrk="1" fontAlgn="auto" latinLnBrk="0" hangingPunct="1">
+              <a:lnSpc>
+                <a:spcPct val="100000"/>
+              </a:lnSpc>
+              <a:spcBef>
+                <a:spcPct val="20000"/>
+              </a:spcBef>
+              <a:spcAft>
+                <a:spcPts val="0"/>
+              </a:spcAft>
+              <a:buClr>
+                <a:schemeClr val="tx1"/>
+              </a:buClr>
+              <a:buSzPct val="80000"/>
+              <a:buFont typeface="Wingdings 2"/>
+              <a:buChar char=""/>
+              <a:tabLst/>
+              <a:defRPr/>
+            </a:pPr>
+            <a:r>
+              <a:rPr kumimoji="0" lang="de-DE" sz="2400" b="0" i="0" u="none" strike="noStrike" kern="1200" cap="none" spc="0" normalizeH="0" baseline="0" noProof="0" dirty="0" smtClean="0">
+                <a:ln>
+                  <a:noFill/>
+                </a:ln>
+                <a:solidFill>
+                  <a:schemeClr val="tx1"/>
+                </a:solidFill>
+                <a:effectLst/>
+                <a:uLnTx/>
+                <a:uFillTx/>
+                <a:latin typeface="+mn-lt"/>
+                <a:ea typeface="+mn-ea"/>
+                <a:cs typeface="+mn-cs"/>
+              </a:rPr>
+              <a:t>René 47%</a:t>
+            </a:r>
+          </a:p>
+          <a:p>
+            <a:pPr marL="868680" marR="0" lvl="1" indent="-283464" algn="l" defTabSz="914400" rtl="0" eaLnBrk="1" fontAlgn="auto" latinLnBrk="0" hangingPunct="1">
+              <a:lnSpc>
+                <a:spcPct val="100000"/>
+              </a:lnSpc>
+              <a:spcBef>
+                <a:spcPct val="20000"/>
+              </a:spcBef>
+              <a:spcAft>
+                <a:spcPts val="0"/>
+              </a:spcAft>
+              <a:buClr>
+                <a:schemeClr val="tx1"/>
+              </a:buClr>
+              <a:buSzPct val="80000"/>
+              <a:buFont typeface="Wingdings 2"/>
+              <a:buChar char=""/>
+              <a:tabLst/>
+              <a:defRPr/>
+            </a:pPr>
+            <a:r>
+              <a:rPr kumimoji="0" lang="de-DE" sz="2400" b="0" i="0" u="none" strike="noStrike" kern="1200" cap="none" spc="0" normalizeH="0" baseline="0" noProof="0" dirty="0" smtClean="0">
+                <a:ln>
+                  <a:noFill/>
+                </a:ln>
+                <a:solidFill>
+                  <a:schemeClr val="tx1"/>
+                </a:solidFill>
+                <a:effectLst/>
+                <a:uLnTx/>
+                <a:uFillTx/>
+                <a:latin typeface="+mn-lt"/>
+                <a:ea typeface="+mn-ea"/>
+                <a:cs typeface="+mn-cs"/>
+              </a:rPr>
+              <a:t>Martin 48%</a:t>
+            </a:r>
+          </a:p>
+          <a:p>
+            <a:pPr marL="868680" marR="0" lvl="1" indent="-283464" algn="l" defTabSz="914400" rtl="0" eaLnBrk="1" fontAlgn="auto" latinLnBrk="0" hangingPunct="1">
+              <a:lnSpc>
+                <a:spcPct val="100000"/>
+              </a:lnSpc>
+              <a:spcBef>
+                <a:spcPct val="20000"/>
+              </a:spcBef>
+              <a:spcAft>
+                <a:spcPts val="0"/>
+              </a:spcAft>
+              <a:buClr>
+                <a:schemeClr val="tx1"/>
+              </a:buClr>
+              <a:buSzPct val="80000"/>
+              <a:buFont typeface="Wingdings 2"/>
+              <a:buNone/>
+              <a:tabLst/>
+              <a:defRPr/>
+            </a:pPr>
+            <a:endParaRPr kumimoji="0" lang="de-DE" sz="2400" b="0" i="0" u="none" strike="noStrike" kern="1200" cap="none" spc="0" normalizeH="0" baseline="0" noProof="0" dirty="0" smtClean="0">
+              <a:ln>
+                <a:noFill/>
+              </a:ln>
+              <a:solidFill>
+                <a:schemeClr val="tx1"/>
+              </a:solidFill>
+              <a:effectLst/>
+              <a:uLnTx/>
+              <a:uFillTx/>
+              <a:latin typeface="+mn-lt"/>
+              <a:ea typeface="+mn-ea"/>
+              <a:cs typeface="+mn-cs"/>
+            </a:endParaRPr>
+          </a:p>
+          <a:p>
+            <a:pPr marL="868680" marR="0" lvl="1" indent="-283464" algn="l" defTabSz="914400" rtl="0" eaLnBrk="1" fontAlgn="auto" latinLnBrk="0" hangingPunct="1">
+              <a:lnSpc>
+                <a:spcPct val="100000"/>
+              </a:lnSpc>
+              <a:spcBef>
+                <a:spcPct val="20000"/>
+              </a:spcBef>
+              <a:spcAft>
+                <a:spcPts val="0"/>
+              </a:spcAft>
+              <a:buClr>
+                <a:schemeClr val="tx1"/>
+              </a:buClr>
+              <a:buSzPct val="80000"/>
+              <a:buFont typeface="Wingdings 2"/>
+              <a:buNone/>
+              <a:tabLst/>
+              <a:defRPr/>
+            </a:pPr>
+            <a:endParaRPr kumimoji="0" lang="de-DE" sz="2400" b="0" i="0" u="none" strike="noStrike" kern="1200" cap="none" spc="0" normalizeH="0" baseline="0" noProof="0" dirty="0" smtClean="0">
+              <a:ln>
+                <a:noFill/>
+              </a:ln>
+              <a:solidFill>
+                <a:schemeClr val="tx1"/>
+              </a:solidFill>
+              <a:effectLst/>
+              <a:uLnTx/>
+              <a:uFillTx/>
+              <a:latin typeface="+mn-lt"/>
+              <a:ea typeface="+mn-ea"/>
+              <a:cs typeface="+mn-cs"/>
+            </a:endParaRPr>
+          </a:p>
+        </p:txBody>
+      </p:sp>
+    </p:spTree>
+  </p:cSld>
+  <p:clrMapOvr>
+    <a:masterClrMapping/>
+  </p:clrMapOvr>
+  <p:timing>
+    <p:tnLst>
+      <p:par>
+        <p:cTn id="1" dur="indefinite" restart="never" nodeType="tmRoot"/>
+      </p:par>
+    </p:tnLst>
+  </p:timing>
 </p:sld>
 </file>
 
@@ -3588,11 +4007,7 @@
           <a:p>
             <a:r>
               <a:rPr lang="de-DE" dirty="0" smtClean="0"/>
-              <a:t>3. Unser </a:t>
-            </a:r>
-            <a:r>
-              <a:rPr lang="de-DE" dirty="0" smtClean="0"/>
-              <a:t>Programm</a:t>
+              <a:t>3. Unser Programm</a:t>
             </a:r>
           </a:p>
           <a:p>
@@ -4033,7 +4448,7 @@
           <a:blip r:embed="rId2">
             <a:extLst>
               <a:ext uri="{28A0092B-C50C-407E-A947-70E740481C1C}">
-                <a14:useLocalDpi xmlns:a14="http://schemas.microsoft.com/office/drawing/2010/main" val="0"/>
+                <a14:useLocalDpi xmlns:a14="http://schemas.microsoft.com/office/drawing/2010/main" xmlns="" val="0"/>
               </a:ext>
             </a:extLst>
           </a:blip>
